--- a/doc/高等遊戲設計專題.pptx
+++ b/doc/高等遊戲設計專題.pptx
@@ -301,7 +301,7 @@
                 <a:latin typeface="細明體" panose="02020509000000000000" pitchFamily="49" charset="-120"/>
                 <a:ea typeface="細明體" panose="02020509000000000000" pitchFamily="49" charset="-120"/>
               </a:rPr>
-              <a:t>2021年3月1日</a:t>
+              <a:t>2021年3月4日</a:t>
             </a:fld>
             <a:endParaRPr dirty="0">
               <a:latin typeface="細明體" panose="02020509000000000000" pitchFamily="49" charset="-120"/>
@@ -487,7 +487,7 @@
             <a:fld id="{A0AFF6A3-05A2-43C9-BAC6-E7F777C40D60}" type="datetime2">
               <a:rPr lang="zh-TW" altLang="en-US" smtClean="0"/>
               <a:pPr/>
-              <a:t>2021年3月1日</a:t>
+              <a:t>2021年3月4日</a:t>
             </a:fld>
             <a:endParaRPr lang="zh-TW" altLang="en-US" dirty="0"/>
           </a:p>
@@ -2000,7 +2000,7 @@
             <a:fld id="{DF1CA1B2-0B65-48FF-A4EF-D52F44E0BC0E}" type="datetime2">
               <a:rPr lang="zh-TW" altLang="en-US" smtClean="0"/>
               <a:pPr/>
-              <a:t>2021年3月1日</a:t>
+              <a:t>2021年3月4日</a:t>
             </a:fld>
             <a:endParaRPr lang="en-US" dirty="0"/>
           </a:p>
@@ -2198,7 +2198,7 @@
             <a:fld id="{B690557D-BF90-4EAC-8435-FD0F2293EA9D}" type="datetime2">
               <a:rPr lang="zh-TW" altLang="en-US" smtClean="0"/>
               <a:pPr/>
-              <a:t>2021年3月1日</a:t>
+              <a:t>2021年3月4日</a:t>
             </a:fld>
             <a:endParaRPr lang="en-US" dirty="0"/>
           </a:p>
@@ -2401,7 +2401,7 @@
             <a:fld id="{3A06F219-A01D-46C2-AB8F-66850193113A}" type="datetime2">
               <a:rPr lang="zh-TW" altLang="en-US" smtClean="0"/>
               <a:pPr/>
-              <a:t>2021年3月1日</a:t>
+              <a:t>2021年3月4日</a:t>
             </a:fld>
             <a:endParaRPr lang="en-US" dirty="0"/>
           </a:p>
@@ -2594,7 +2594,7 @@
             <a:fld id="{C7B8F7E0-475E-4A4F-B251-AF4D4B9F823E}" type="datetime2">
               <a:rPr lang="zh-TW" altLang="en-US" smtClean="0"/>
               <a:pPr/>
-              <a:t>2021年3月1日</a:t>
+              <a:t>2021年3月4日</a:t>
             </a:fld>
             <a:endParaRPr lang="en-US" dirty="0"/>
           </a:p>
@@ -2871,7 +2871,7 @@
             <a:fld id="{FCD96140-6517-4429-8245-8048EFFD722F}" type="datetime2">
               <a:rPr lang="zh-TW" altLang="en-US" smtClean="0"/>
               <a:pPr/>
-              <a:t>2021年3月1日</a:t>
+              <a:t>2021年3月4日</a:t>
             </a:fld>
             <a:endParaRPr lang="en-US" dirty="0"/>
           </a:p>
@@ -3186,7 +3186,7 @@
             <a:fld id="{4A214E14-FC91-4A98-BE2C-45A91C87CABA}" type="datetime2">
               <a:rPr lang="zh-TW" altLang="en-US" smtClean="0"/>
               <a:pPr/>
-              <a:t>2021年3月1日</a:t>
+              <a:t>2021年3月4日</a:t>
             </a:fld>
             <a:endParaRPr lang="en-US" dirty="0"/>
           </a:p>
@@ -3650,7 +3650,7 @@
             <a:fld id="{0290FCD0-1450-4EF5-9EB6-93838DB68598}" type="datetime2">
               <a:rPr lang="zh-TW" altLang="en-US" smtClean="0"/>
               <a:pPr/>
-              <a:t>2021年3月1日</a:t>
+              <a:t>2021年3月4日</a:t>
             </a:fld>
             <a:endParaRPr lang="en-US" dirty="0"/>
           </a:p>
@@ -3791,7 +3791,7 @@
             <a:fld id="{73F19C76-1DF4-4157-8E83-99CDD7C5813A}" type="datetime2">
               <a:rPr lang="zh-TW" altLang="en-US" smtClean="0"/>
               <a:pPr/>
-              <a:t>2021年3月1日</a:t>
+              <a:t>2021年3月4日</a:t>
             </a:fld>
             <a:endParaRPr lang="en-US" dirty="0"/>
           </a:p>
@@ -3908,7 +3908,7 @@
             <a:fld id="{D40150BE-B45A-4071-8F2D-10F115658B39}" type="datetime2">
               <a:rPr lang="zh-TW" altLang="en-US" smtClean="0"/>
               <a:pPr/>
-              <a:t>2021年3月1日</a:t>
+              <a:t>2021年3月4日</a:t>
             </a:fld>
             <a:endParaRPr lang="en-US" dirty="0"/>
           </a:p>
@@ -4230,7 +4230,7 @@
             <a:fld id="{EDB22753-B0A9-4CCB-8874-8C3403729D00}" type="datetime2">
               <a:rPr lang="zh-TW" altLang="en-US" smtClean="0"/>
               <a:pPr/>
-              <a:t>2021年3月1日</a:t>
+              <a:t>2021年3月4日</a:t>
             </a:fld>
             <a:endParaRPr lang="en-US" dirty="0"/>
           </a:p>
@@ -4716,7 +4716,7 @@
             <a:fld id="{BD8E3081-8997-4FCC-AA9C-554AF3E1C629}" type="datetime2">
               <a:rPr lang="zh-TW" altLang="en-US" smtClean="0"/>
               <a:pPr/>
-              <a:t>2021年3月1日</a:t>
+              <a:t>2021年3月4日</a:t>
             </a:fld>
             <a:endParaRPr lang="en-US" dirty="0"/>
           </a:p>
@@ -6176,13 +6176,13 @@
         </p:nvSpPr>
         <p:spPr>
           <a:xfrm>
-            <a:off x="189756" y="980728"/>
+            <a:off x="189756" y="864096"/>
             <a:ext cx="11809312" cy="6192688"/>
           </a:xfrm>
         </p:spPr>
         <p:txBody>
           <a:bodyPr rtlCol="0">
-            <a:normAutofit fontScale="92500" lnSpcReduction="20000"/>
+            <a:normAutofit fontScale="92500" lnSpcReduction="10000"/>
           </a:bodyPr>
           <a:lstStyle/>
           <a:p>
@@ -6402,7 +6402,7 @@
               </a:lnSpc>
             </a:pPr>
             <a:r>
-              <a:rPr lang="zh-TW" altLang="en-US" sz="2100" dirty="0">
+              <a:rPr lang="zh-TW" altLang="en-US" sz="1800" dirty="0">
                 <a:solidFill>
                   <a:srgbClr val="0070C0"/>
                 </a:solidFill>
@@ -8408,6 +8408,26 @@
 </file>
 
 <file path=customXml/item1.xml><?xml version="1.0" encoding="utf-8"?>
+<?mso-contentType ?>
+<FormTemplates xmlns="http://schemas.microsoft.com/sharepoint/v3/contenttype/forms">
+  <Display>DocumentLibraryForm</Display>
+  <Edit>DocumentLibraryForm</Edit>
+  <New>DocumentLibraryForm</New>
+</FormTemplates>
+</file>
+
+<file path=customXml/item2.xml><?xml version="1.0" encoding="utf-8"?>
+<p:properties xmlns:p="http://schemas.microsoft.com/office/2006/metadata/properties" xmlns:xsi="http://www.w3.org/2001/XMLSchema-instance" xmlns:pc="http://schemas.microsoft.com/office/infopath/2007/PartnerControls">
+  <documentManagement>
+    <VSO_x0020_item_x0020_id xmlns="40262f94-9f35-4ac3-9a90-690165a166b7" xsi:nil="true"/>
+    <Assetid_x0020_ xmlns="40262f94-9f35-4ac3-9a90-690165a166b7" xsi:nil="true"/>
+    <Item_x0020_Details xmlns="40262f94-9f35-4ac3-9a90-690165a166b7" xsi:nil="true"/>
+    <Template_x0020_details xmlns="40262f94-9f35-4ac3-9a90-690165a166b7" xsi:nil="true"/>
+  </documentManagement>
+</p:properties>
+</file>
+
+<file path=customXml/item3.xml><?xml version="1.0" encoding="utf-8"?>
 <ct:contentTypeSchema xmlns:ct="http://schemas.microsoft.com/office/2006/metadata/contentType" xmlns:ma="http://schemas.microsoft.com/office/2006/metadata/properties/metaAttributes" ct:_="" ma:_="" ma:contentTypeName="Document" ma:contentTypeID="0x010100AA3F7D94069FF64A86F7DFF56D60E3BE" ma:contentTypeVersion="6" ma:contentTypeDescription="Create a new document." ma:contentTypeScope="" ma:versionID="c32302c77d4085ecf495bdddb7f5e889">
   <xsd:schema xmlns:xsd="http://www.w3.org/2001/XMLSchema" xmlns:xs="http://www.w3.org/2001/XMLSchema" xmlns:p="http://schemas.microsoft.com/office/2006/metadata/properties" xmlns:ns2="a4f35948-e619-41b3-aa29-22878b09cfd2" xmlns:ns3="40262f94-9f35-4ac3-9a90-690165a166b7" targetNamespace="http://schemas.microsoft.com/office/2006/metadata/properties" ma:root="true" ma:fieldsID="4ab5ae46be95f9d0be6107e8200be7a2" ns2:_="" ns3:_="">
     <xsd:import namespace="a4f35948-e619-41b3-aa29-22878b09cfd2"/>
@@ -8588,41 +8608,10 @@
 </ct:contentTypeSchema>
 </file>
 
-<file path=customXml/item2.xml><?xml version="1.0" encoding="utf-8"?>
-<p:properties xmlns:p="http://schemas.microsoft.com/office/2006/metadata/properties" xmlns:xsi="http://www.w3.org/2001/XMLSchema-instance" xmlns:pc="http://schemas.microsoft.com/office/infopath/2007/PartnerControls">
-  <documentManagement>
-    <VSO_x0020_item_x0020_id xmlns="40262f94-9f35-4ac3-9a90-690165a166b7" xsi:nil="true"/>
-    <Assetid_x0020_ xmlns="40262f94-9f35-4ac3-9a90-690165a166b7" xsi:nil="true"/>
-    <Item_x0020_Details xmlns="40262f94-9f35-4ac3-9a90-690165a166b7" xsi:nil="true"/>
-    <Template_x0020_details xmlns="40262f94-9f35-4ac3-9a90-690165a166b7" xsi:nil="true"/>
-  </documentManagement>
-</p:properties>
-</file>
-
-<file path=customXml/item3.xml><?xml version="1.0" encoding="utf-8"?>
-<?mso-contentType ?>
-<FormTemplates xmlns="http://schemas.microsoft.com/sharepoint/v3/contenttype/forms">
-  <Display>DocumentLibraryForm</Display>
-  <Edit>DocumentLibraryForm</Edit>
-  <New>DocumentLibraryForm</New>
-</FormTemplates>
-</file>
-
 <file path=customXml/itemProps1.xml><?xml version="1.0" encoding="utf-8"?>
-<ds:datastoreItem xmlns:ds="http://schemas.openxmlformats.org/officeDocument/2006/customXml" ds:itemID="{7CB30B94-6D3B-4C91-947C-5EB8E8EFFE4F}">
+<ds:datastoreItem xmlns:ds="http://schemas.openxmlformats.org/officeDocument/2006/customXml" ds:itemID="{653E1689-1E09-4ADC-A5E7-6718BF79A8A6}">
   <ds:schemaRefs>
-    <ds:schemaRef ds:uri="http://schemas.microsoft.com/office/2006/metadata/contentType"/>
-    <ds:schemaRef ds:uri="http://schemas.microsoft.com/office/2006/metadata/properties/metaAttributes"/>
-    <ds:schemaRef ds:uri="http://www.w3.org/2001/XMLSchema"/>
-    <ds:schemaRef ds:uri="http://schemas.microsoft.com/office/2006/metadata/properties"/>
-    <ds:schemaRef ds:uri="a4f35948-e619-41b3-aa29-22878b09cfd2"/>
-    <ds:schemaRef ds:uri="40262f94-9f35-4ac3-9a90-690165a166b7"/>
-    <ds:schemaRef ds:uri="http://schemas.microsoft.com/office/2006/documentManagement/types"/>
-    <ds:schemaRef ds:uri="http://schemas.microsoft.com/office/infopath/2007/PartnerControls"/>
-    <ds:schemaRef ds:uri="http://schemas.openxmlformats.org/package/2006/metadata/core-properties"/>
-    <ds:schemaRef ds:uri="http://purl.org/dc/elements/1.1/"/>
-    <ds:schemaRef ds:uri="http://purl.org/dc/terms/"/>
-    <ds:schemaRef ds:uri="http://schemas.microsoft.com/internal/obd"/>
+    <ds:schemaRef ds:uri="http://schemas.microsoft.com/sharepoint/v3/contenttype/forms"/>
   </ds:schemaRefs>
 </ds:datastoreItem>
 </file>
@@ -8645,9 +8634,20 @@
 </file>
 
 <file path=customXml/itemProps3.xml><?xml version="1.0" encoding="utf-8"?>
-<ds:datastoreItem xmlns:ds="http://schemas.openxmlformats.org/officeDocument/2006/customXml" ds:itemID="{653E1689-1E09-4ADC-A5E7-6718BF79A8A6}">
+<ds:datastoreItem xmlns:ds="http://schemas.openxmlformats.org/officeDocument/2006/customXml" ds:itemID="{7CB30B94-6D3B-4C91-947C-5EB8E8EFFE4F}">
   <ds:schemaRefs>
-    <ds:schemaRef ds:uri="http://schemas.microsoft.com/sharepoint/v3/contenttype/forms"/>
+    <ds:schemaRef ds:uri="http://schemas.microsoft.com/office/2006/metadata/contentType"/>
+    <ds:schemaRef ds:uri="http://schemas.microsoft.com/office/2006/metadata/properties/metaAttributes"/>
+    <ds:schemaRef ds:uri="http://www.w3.org/2001/XMLSchema"/>
+    <ds:schemaRef ds:uri="http://schemas.microsoft.com/office/2006/metadata/properties"/>
+    <ds:schemaRef ds:uri="a4f35948-e619-41b3-aa29-22878b09cfd2"/>
+    <ds:schemaRef ds:uri="40262f94-9f35-4ac3-9a90-690165a166b7"/>
+    <ds:schemaRef ds:uri="http://schemas.microsoft.com/office/2006/documentManagement/types"/>
+    <ds:schemaRef ds:uri="http://schemas.microsoft.com/office/infopath/2007/PartnerControls"/>
+    <ds:schemaRef ds:uri="http://schemas.openxmlformats.org/package/2006/metadata/core-properties"/>
+    <ds:schemaRef ds:uri="http://purl.org/dc/elements/1.1/"/>
+    <ds:schemaRef ds:uri="http://purl.org/dc/terms/"/>
+    <ds:schemaRef ds:uri="http://schemas.microsoft.com/internal/obd"/>
   </ds:schemaRefs>
 </ds:datastoreItem>
 </file>